--- a/Capstone/poster/print_poster.pptx
+++ b/Capstone/poster/print_poster.pptx
@@ -282,7 +282,7 @@
       </p15:sldGuideLst>
     </p:ext>
     <p:ext uri="GoogleSlidesCustomDataVersion2">
-      <go:slidesCustomData xmlns:go="http://customooxmlschemas.google.com/" xmlns:ahyp="http://schemas.microsoft.com/office/drawing/2018/hyperlinkcolor" xmlns:p15="http://schemas.microsoft.com/office/powerpoint/2012/main" xmlns:p14="http://schemas.microsoft.com/office/powerpoint/2010/main" xmlns:com="http://schemas.openxmlformats.org/drawingml/2006/compatibility" xmlns:pvml="urn:schemas-microsoft-com:office:powerpoint" xmlns:v="urn:schemas-microsoft-com:vml" xmlns:o="urn:schemas-microsoft-com:office:office" xmlns:dgm="http://schemas.openxmlformats.org/drawingml/2006/diagram" xmlns:c="http://schemas.openxmlformats.org/drawingml/2006/chart" xmlns:mv="urn:schemas-microsoft-com:mac:vml" xmlns:mc="http://schemas.openxmlformats.org/markup-compatibility/2006" xmlns="" r:id="rId8" roundtripDataSignature="AMtx7mh4t8ef80AKPBwkoeIFzBJSZZTu8A=="/>
+      <go:slidesCustomData xmlns="" xmlns:mc="http://schemas.openxmlformats.org/markup-compatibility/2006" xmlns:mv="urn:schemas-microsoft-com:mac:vml" xmlns:c="http://schemas.openxmlformats.org/drawingml/2006/chart" xmlns:dgm="http://schemas.openxmlformats.org/drawingml/2006/diagram" xmlns:o="urn:schemas-microsoft-com:office:office" xmlns:v="urn:schemas-microsoft-com:vml" xmlns:pvml="urn:schemas-microsoft-com:office:powerpoint" xmlns:com="http://schemas.openxmlformats.org/drawingml/2006/compatibility" xmlns:p14="http://schemas.microsoft.com/office/powerpoint/2010/main" xmlns:p15="http://schemas.microsoft.com/office/powerpoint/2012/main" xmlns:ahyp="http://schemas.microsoft.com/office/drawing/2018/hyperlinkcolor" xmlns:go="http://customooxmlschemas.google.com/" r:id="rId8" roundtripDataSignature="AMtx7mh4t8ef80AKPBwkoeIFzBJSZZTu8A=="/>
     </p:ext>
   </p:extLst>
 </p:presentation>
@@ -11096,7 +11096,7 @@
           <p:nvPr>
             <p:extLst>
               <p:ext uri="{D42A27DB-BD31-4B8C-83A1-F6EECF244321}">
-                <p14:modId xmlns:p14="http://schemas.microsoft.com/office/powerpoint/2010/main" val="1143849649"/>
+                <p14:modId xmlns:p14="http://schemas.microsoft.com/office/powerpoint/2010/main" val="2336111786"/>
               </p:ext>
             </p:extLst>
           </p:nvPr>
@@ -14460,12 +14460,150 @@
           </p:sp>
         </p:grpSp>
       </p:grpSp>
+      <p:sp>
+        <p:nvSpPr>
+          <p:cNvPr id="26" name="Google Shape;142;p2">
+            <a:extLst>
+              <a:ext uri="{FF2B5EF4-FFF2-40B4-BE49-F238E27FC236}">
+                <a16:creationId xmlns:a16="http://schemas.microsoft.com/office/drawing/2014/main" id="{783227CB-0923-6AA3-BCC1-E757370684F2}"/>
+              </a:ext>
+            </a:extLst>
+          </p:cNvPr>
+          <p:cNvSpPr/>
+          <p:nvPr/>
+        </p:nvSpPr>
+        <p:spPr>
+          <a:xfrm>
+            <a:off x="32951363" y="6941076"/>
+            <a:ext cx="9989234" cy="914400"/>
+          </a:xfrm>
+          <a:prstGeom prst="rect">
+            <a:avLst/>
+          </a:prstGeom>
+          <a:noFill/>
+          <a:ln w="12700" cap="flat" cmpd="sng">
+            <a:solidFill>
+              <a:schemeClr val="accent4">
+                <a:lumMod val="75000"/>
+              </a:schemeClr>
+            </a:solidFill>
+            <a:prstDash val="solid"/>
+            <a:miter lim="800000"/>
+            <a:headEnd type="none" w="sm" len="sm"/>
+            <a:tailEnd type="none" w="sm" len="sm"/>
+          </a:ln>
+        </p:spPr>
+        <p:txBody>
+          <a:bodyPr spcFirstLastPara="1" wrap="square" lIns="91425" tIns="45700" rIns="91425" bIns="45700" anchor="ctr" anchorCtr="0">
+            <a:noAutofit/>
+          </a:bodyPr>
+          <a:lstStyle/>
+          <a:p>
+            <a:pPr marL="0" marR="0" lvl="0" indent="0" algn="ctr" rtl="0">
+              <a:spcBef>
+                <a:spcPts val="0"/>
+              </a:spcBef>
+              <a:spcAft>
+                <a:spcPts val="0"/>
+              </a:spcAft>
+              <a:buNone/>
+            </a:pPr>
+            <a:r>
+              <a:rPr lang="en-US" sz="4000" b="1" dirty="0">
+                <a:solidFill>
+                  <a:schemeClr val="tx1"/>
+                </a:solidFill>
+                <a:latin typeface="Garamond" panose="02020404030301010803" pitchFamily="18" charset="0"/>
+                <a:ea typeface="Calibri"/>
+                <a:cs typeface="Calibri"/>
+                <a:sym typeface="Calibri"/>
+              </a:rPr>
+              <a:t>Empowerment Categories</a:t>
+            </a:r>
+            <a:endParaRPr sz="4000" dirty="0">
+              <a:solidFill>
+                <a:schemeClr val="tx1"/>
+              </a:solidFill>
+              <a:latin typeface="Garamond" panose="02020404030301010803" pitchFamily="18" charset="0"/>
+            </a:endParaRPr>
+          </a:p>
+        </p:txBody>
+      </p:sp>
+      <p:sp>
+        <p:nvSpPr>
+          <p:cNvPr id="85" name="Google Shape;142;p2">
+            <a:extLst>
+              <a:ext uri="{FF2B5EF4-FFF2-40B4-BE49-F238E27FC236}">
+                <a16:creationId xmlns:a16="http://schemas.microsoft.com/office/drawing/2014/main" id="{36E7495F-44AD-D7B9-EDDA-21D1D7E5A2F4}"/>
+              </a:ext>
+            </a:extLst>
+          </p:cNvPr>
+          <p:cNvSpPr/>
+          <p:nvPr/>
+        </p:nvSpPr>
+        <p:spPr>
+          <a:xfrm>
+            <a:off x="32951363" y="25228531"/>
+            <a:ext cx="9985248" cy="914400"/>
+          </a:xfrm>
+          <a:prstGeom prst="rect">
+            <a:avLst/>
+          </a:prstGeom>
+          <a:noFill/>
+          <a:ln w="12700" cap="flat" cmpd="sng">
+            <a:solidFill>
+              <a:schemeClr val="accent4">
+                <a:lumMod val="75000"/>
+              </a:schemeClr>
+            </a:solidFill>
+            <a:prstDash val="solid"/>
+            <a:miter lim="800000"/>
+            <a:headEnd type="none" w="sm" len="sm"/>
+            <a:tailEnd type="none" w="sm" len="sm"/>
+          </a:ln>
+        </p:spPr>
+        <p:txBody>
+          <a:bodyPr spcFirstLastPara="1" wrap="square" lIns="91425" tIns="45700" rIns="91425" bIns="45700" anchor="ctr" anchorCtr="0">
+            <a:noAutofit/>
+          </a:bodyPr>
+          <a:lstStyle/>
+          <a:p>
+            <a:pPr marL="0" marR="0" lvl="0" indent="0" algn="ctr" rtl="0">
+              <a:spcBef>
+                <a:spcPts val="0"/>
+              </a:spcBef>
+              <a:spcAft>
+                <a:spcPts val="0"/>
+              </a:spcAft>
+              <a:buNone/>
+            </a:pPr>
+            <a:r>
+              <a:rPr lang="en-US" sz="4000" b="1" dirty="0">
+                <a:solidFill>
+                  <a:schemeClr val="tx1"/>
+                </a:solidFill>
+                <a:latin typeface="Garamond" panose="02020404030301010803" pitchFamily="18" charset="0"/>
+                <a:ea typeface="Calibri"/>
+                <a:cs typeface="Calibri"/>
+                <a:sym typeface="Calibri"/>
+              </a:rPr>
+              <a:t>Empowerment Thresholds</a:t>
+            </a:r>
+            <a:endParaRPr sz="4000" dirty="0">
+              <a:solidFill>
+                <a:schemeClr val="tx1"/>
+              </a:solidFill>
+              <a:latin typeface="Garamond" panose="02020404030301010803" pitchFamily="18" charset="0"/>
+            </a:endParaRPr>
+          </a:p>
+        </p:txBody>
+      </p:sp>
       <p:grpSp>
         <p:nvGrpSpPr>
-          <p:cNvPr id="36" name="Group 35">
+          <p:cNvPr id="19" name="Group 18">
             <a:extLst>
               <a:ext uri="{FF2B5EF4-FFF2-40B4-BE49-F238E27FC236}">
-                <a16:creationId xmlns:a16="http://schemas.microsoft.com/office/drawing/2014/main" id="{90E6BBEE-F62A-AE35-C020-2A9FADA3B54A}"/>
+                <a16:creationId xmlns:a16="http://schemas.microsoft.com/office/drawing/2014/main" id="{0332027C-81D7-FC52-EF11-24F047F5FFBD}"/>
               </a:ext>
             </a:extLst>
           </p:cNvPr>
@@ -14474,18 +14612,554 @@
         </p:nvGrpSpPr>
         <p:grpSpPr>
           <a:xfrm>
-            <a:off x="32228123" y="5386361"/>
-            <a:ext cx="10972800" cy="26765505"/>
-            <a:chOff x="32228123" y="5386361"/>
-            <a:chExt cx="10972800" cy="26765505"/>
+            <a:off x="35235593" y="26276326"/>
+            <a:ext cx="7965330" cy="1090787"/>
+            <a:chOff x="34221242" y="25889759"/>
+            <a:chExt cx="7965330" cy="1090787"/>
           </a:xfrm>
         </p:grpSpPr>
         <p:sp>
           <p:nvSpPr>
-            <p:cNvPr id="26" name="Google Shape;142;p2">
+            <p:cNvPr id="86" name="TextBox 85">
               <a:extLst>
                 <a:ext uri="{FF2B5EF4-FFF2-40B4-BE49-F238E27FC236}">
-                  <a16:creationId xmlns:a16="http://schemas.microsoft.com/office/drawing/2014/main" id="{783227CB-0923-6AA3-BCC1-E757370684F2}"/>
+                  <a16:creationId xmlns:a16="http://schemas.microsoft.com/office/drawing/2014/main" id="{20D2CFFE-1EE6-921C-DBEC-8BE13599C808}"/>
+                </a:ext>
+              </a:extLst>
+            </p:cNvPr>
+            <p:cNvSpPr txBox="1"/>
+            <p:nvPr/>
+          </p:nvSpPr>
+          <p:spPr>
+            <a:xfrm>
+              <a:off x="34221242" y="26395771"/>
+              <a:ext cx="976056" cy="584775"/>
+            </a:xfrm>
+            <a:prstGeom prst="rect">
+              <a:avLst/>
+            </a:prstGeom>
+            <a:noFill/>
+          </p:spPr>
+          <p:txBody>
+            <a:bodyPr wrap="square" rtlCol="0">
+              <a:spAutoFit/>
+            </a:bodyPr>
+            <a:lstStyle/>
+            <a:p>
+              <a:r>
+                <a:rPr lang="en-US" sz="3200" dirty="0">
+                  <a:latin typeface="Garamond" panose="02020404030301010803" pitchFamily="18" charset="0"/>
+                </a:rPr>
+                <a:t>Start</a:t>
+              </a:r>
+            </a:p>
+          </p:txBody>
+        </p:sp>
+        <p:sp>
+          <p:nvSpPr>
+            <p:cNvPr id="87" name="TextBox 86">
+              <a:extLst>
+                <a:ext uri="{FF2B5EF4-FFF2-40B4-BE49-F238E27FC236}">
+                  <a16:creationId xmlns:a16="http://schemas.microsoft.com/office/drawing/2014/main" id="{D18A2CB6-4F07-265E-3A16-DE83CC6B6603}"/>
+                </a:ext>
+              </a:extLst>
+            </p:cNvPr>
+            <p:cNvSpPr txBox="1"/>
+            <p:nvPr/>
+          </p:nvSpPr>
+          <p:spPr>
+            <a:xfrm>
+              <a:off x="35647155" y="26395771"/>
+              <a:ext cx="1021230" cy="584775"/>
+            </a:xfrm>
+            <a:prstGeom prst="rect">
+              <a:avLst/>
+            </a:prstGeom>
+            <a:noFill/>
+          </p:spPr>
+          <p:txBody>
+            <a:bodyPr wrap="square" rtlCol="0">
+              <a:spAutoFit/>
+            </a:bodyPr>
+            <a:lstStyle/>
+            <a:p>
+              <a:r>
+                <a:rPr lang="en-US" sz="3200" dirty="0">
+                  <a:latin typeface="Garamond" panose="02020404030301010803" pitchFamily="18" charset="0"/>
+                </a:rPr>
+                <a:t>End</a:t>
+              </a:r>
+            </a:p>
+          </p:txBody>
+        </p:sp>
+        <p:sp>
+          <p:nvSpPr>
+            <p:cNvPr id="91" name="TextBox 90">
+              <a:extLst>
+                <a:ext uri="{FF2B5EF4-FFF2-40B4-BE49-F238E27FC236}">
+                  <a16:creationId xmlns:a16="http://schemas.microsoft.com/office/drawing/2014/main" id="{C14B7BD6-8999-9FA5-7711-86AFEE338EA0}"/>
+                </a:ext>
+              </a:extLst>
+            </p:cNvPr>
+            <p:cNvSpPr txBox="1"/>
+            <p:nvPr/>
+          </p:nvSpPr>
+          <p:spPr>
+            <a:xfrm>
+              <a:off x="34764481" y="25889759"/>
+              <a:ext cx="1220093" cy="584775"/>
+            </a:xfrm>
+            <a:prstGeom prst="rect">
+              <a:avLst/>
+            </a:prstGeom>
+            <a:noFill/>
+          </p:spPr>
+          <p:txBody>
+            <a:bodyPr wrap="square" rtlCol="0">
+              <a:spAutoFit/>
+            </a:bodyPr>
+            <a:lstStyle/>
+            <a:p>
+              <a:pPr algn="ctr"/>
+              <a:r>
+                <a:rPr lang="en-US" sz="3200" dirty="0">
+                  <a:latin typeface="Garamond" panose="02020404030301010803" pitchFamily="18" charset="0"/>
+                </a:rPr>
+                <a:t>90%</a:t>
+              </a:r>
+            </a:p>
+          </p:txBody>
+        </p:sp>
+        <p:sp>
+          <p:nvSpPr>
+            <p:cNvPr id="105" name="TextBox 104">
+              <a:extLst>
+                <a:ext uri="{FF2B5EF4-FFF2-40B4-BE49-F238E27FC236}">
+                  <a16:creationId xmlns:a16="http://schemas.microsoft.com/office/drawing/2014/main" id="{EB69F818-FB47-8A46-33B7-B3355ADECF84}"/>
+                </a:ext>
+              </a:extLst>
+            </p:cNvPr>
+            <p:cNvSpPr txBox="1"/>
+            <p:nvPr/>
+          </p:nvSpPr>
+          <p:spPr>
+            <a:xfrm>
+              <a:off x="36981548" y="26395771"/>
+              <a:ext cx="976056" cy="584775"/>
+            </a:xfrm>
+            <a:prstGeom prst="rect">
+              <a:avLst/>
+            </a:prstGeom>
+            <a:noFill/>
+          </p:spPr>
+          <p:txBody>
+            <a:bodyPr wrap="square" rtlCol="0">
+              <a:spAutoFit/>
+            </a:bodyPr>
+            <a:lstStyle/>
+            <a:p>
+              <a:r>
+                <a:rPr lang="en-US" sz="3200" dirty="0">
+                  <a:latin typeface="Garamond" panose="02020404030301010803" pitchFamily="18" charset="0"/>
+                </a:rPr>
+                <a:t>Start</a:t>
+              </a:r>
+            </a:p>
+          </p:txBody>
+        </p:sp>
+        <p:sp>
+          <p:nvSpPr>
+            <p:cNvPr id="106" name="TextBox 105">
+              <a:extLst>
+                <a:ext uri="{FF2B5EF4-FFF2-40B4-BE49-F238E27FC236}">
+                  <a16:creationId xmlns:a16="http://schemas.microsoft.com/office/drawing/2014/main" id="{44E5FE8A-F3BE-7E68-ACE3-340D1E977590}"/>
+                </a:ext>
+              </a:extLst>
+            </p:cNvPr>
+            <p:cNvSpPr txBox="1"/>
+            <p:nvPr/>
+          </p:nvSpPr>
+          <p:spPr>
+            <a:xfrm>
+              <a:off x="38407461" y="26395771"/>
+              <a:ext cx="1021230" cy="584775"/>
+            </a:xfrm>
+            <a:prstGeom prst="rect">
+              <a:avLst/>
+            </a:prstGeom>
+            <a:noFill/>
+          </p:spPr>
+          <p:txBody>
+            <a:bodyPr wrap="square" rtlCol="0">
+              <a:spAutoFit/>
+            </a:bodyPr>
+            <a:lstStyle/>
+            <a:p>
+              <a:r>
+                <a:rPr lang="en-US" sz="3200" dirty="0">
+                  <a:latin typeface="Garamond" panose="02020404030301010803" pitchFamily="18" charset="0"/>
+                </a:rPr>
+                <a:t>End</a:t>
+              </a:r>
+            </a:p>
+          </p:txBody>
+        </p:sp>
+        <p:sp>
+          <p:nvSpPr>
+            <p:cNvPr id="107" name="TextBox 106">
+              <a:extLst>
+                <a:ext uri="{FF2B5EF4-FFF2-40B4-BE49-F238E27FC236}">
+                  <a16:creationId xmlns:a16="http://schemas.microsoft.com/office/drawing/2014/main" id="{1FFBCFF6-4DFB-0577-3341-E19E3999E11B}"/>
+                </a:ext>
+              </a:extLst>
+            </p:cNvPr>
+            <p:cNvSpPr txBox="1"/>
+            <p:nvPr/>
+          </p:nvSpPr>
+          <p:spPr>
+            <a:xfrm>
+              <a:off x="37523574" y="25889759"/>
+              <a:ext cx="1220093" cy="584775"/>
+            </a:xfrm>
+            <a:prstGeom prst="rect">
+              <a:avLst/>
+            </a:prstGeom>
+            <a:noFill/>
+          </p:spPr>
+          <p:txBody>
+            <a:bodyPr wrap="square" rtlCol="0">
+              <a:spAutoFit/>
+            </a:bodyPr>
+            <a:lstStyle/>
+            <a:p>
+              <a:pPr algn="ctr"/>
+              <a:r>
+                <a:rPr lang="en-US" sz="3200" dirty="0">
+                  <a:latin typeface="Garamond" panose="02020404030301010803" pitchFamily="18" charset="0"/>
+                </a:rPr>
+                <a:t>80%</a:t>
+              </a:r>
+            </a:p>
+          </p:txBody>
+        </p:sp>
+        <p:sp>
+          <p:nvSpPr>
+            <p:cNvPr id="111" name="TextBox 110">
+              <a:extLst>
+                <a:ext uri="{FF2B5EF4-FFF2-40B4-BE49-F238E27FC236}">
+                  <a16:creationId xmlns:a16="http://schemas.microsoft.com/office/drawing/2014/main" id="{79A41287-7157-AB94-3BA2-E3049AB6BB78}"/>
+                </a:ext>
+              </a:extLst>
+            </p:cNvPr>
+            <p:cNvSpPr txBox="1"/>
+            <p:nvPr/>
+          </p:nvSpPr>
+          <p:spPr>
+            <a:xfrm>
+              <a:off x="39739429" y="26395771"/>
+              <a:ext cx="976056" cy="584775"/>
+            </a:xfrm>
+            <a:prstGeom prst="rect">
+              <a:avLst/>
+            </a:prstGeom>
+            <a:noFill/>
+          </p:spPr>
+          <p:txBody>
+            <a:bodyPr wrap="square" rtlCol="0">
+              <a:spAutoFit/>
+            </a:bodyPr>
+            <a:lstStyle/>
+            <a:p>
+              <a:r>
+                <a:rPr lang="en-US" sz="3200" dirty="0">
+                  <a:latin typeface="Garamond" panose="02020404030301010803" pitchFamily="18" charset="0"/>
+                </a:rPr>
+                <a:t>Start</a:t>
+              </a:r>
+            </a:p>
+          </p:txBody>
+        </p:sp>
+        <p:sp>
+          <p:nvSpPr>
+            <p:cNvPr id="112" name="TextBox 111">
+              <a:extLst>
+                <a:ext uri="{FF2B5EF4-FFF2-40B4-BE49-F238E27FC236}">
+                  <a16:creationId xmlns:a16="http://schemas.microsoft.com/office/drawing/2014/main" id="{8C413919-B865-6147-7BA3-27C8EDD4DE2F}"/>
+                </a:ext>
+              </a:extLst>
+            </p:cNvPr>
+            <p:cNvSpPr txBox="1"/>
+            <p:nvPr/>
+          </p:nvSpPr>
+          <p:spPr>
+            <a:xfrm>
+              <a:off x="41165342" y="26395771"/>
+              <a:ext cx="1021230" cy="584775"/>
+            </a:xfrm>
+            <a:prstGeom prst="rect">
+              <a:avLst/>
+            </a:prstGeom>
+            <a:noFill/>
+          </p:spPr>
+          <p:txBody>
+            <a:bodyPr wrap="square" rtlCol="0">
+              <a:spAutoFit/>
+            </a:bodyPr>
+            <a:lstStyle/>
+            <a:p>
+              <a:r>
+                <a:rPr lang="en-US" sz="3200" dirty="0">
+                  <a:latin typeface="Garamond" panose="02020404030301010803" pitchFamily="18" charset="0"/>
+                </a:rPr>
+                <a:t>End</a:t>
+              </a:r>
+            </a:p>
+          </p:txBody>
+        </p:sp>
+        <p:sp>
+          <p:nvSpPr>
+            <p:cNvPr id="113" name="TextBox 112">
+              <a:extLst>
+                <a:ext uri="{FF2B5EF4-FFF2-40B4-BE49-F238E27FC236}">
+                  <a16:creationId xmlns:a16="http://schemas.microsoft.com/office/drawing/2014/main" id="{2A4DADE0-229F-BCBF-6A69-3A73644455FF}"/>
+                </a:ext>
+              </a:extLst>
+            </p:cNvPr>
+            <p:cNvSpPr txBox="1"/>
+            <p:nvPr/>
+          </p:nvSpPr>
+          <p:spPr>
+            <a:xfrm>
+              <a:off x="40282668" y="25889759"/>
+              <a:ext cx="1220093" cy="584775"/>
+            </a:xfrm>
+            <a:prstGeom prst="rect">
+              <a:avLst/>
+            </a:prstGeom>
+            <a:noFill/>
+          </p:spPr>
+          <p:txBody>
+            <a:bodyPr wrap="square" rtlCol="0">
+              <a:spAutoFit/>
+            </a:bodyPr>
+            <a:lstStyle/>
+            <a:p>
+              <a:pPr algn="ctr"/>
+              <a:r>
+                <a:rPr lang="en-US" sz="3200" dirty="0">
+                  <a:latin typeface="Garamond" panose="02020404030301010803" pitchFamily="18" charset="0"/>
+                </a:rPr>
+                <a:t>75%</a:t>
+              </a:r>
+            </a:p>
+          </p:txBody>
+        </p:sp>
+      </p:grpSp>
+      <p:sp>
+        <p:nvSpPr>
+          <p:cNvPr id="114" name="Google Shape;135;p2">
+            <a:extLst>
+              <a:ext uri="{FF2B5EF4-FFF2-40B4-BE49-F238E27FC236}">
+                <a16:creationId xmlns:a16="http://schemas.microsoft.com/office/drawing/2014/main" id="{2E07B908-F1CF-60F5-36F8-1BC0C60E2E77}"/>
+              </a:ext>
+            </a:extLst>
+          </p:cNvPr>
+          <p:cNvSpPr/>
+          <p:nvPr/>
+        </p:nvSpPr>
+        <p:spPr>
+          <a:xfrm>
+            <a:off x="32228123" y="5386361"/>
+            <a:ext cx="10972800" cy="914400"/>
+          </a:xfrm>
+          <a:prstGeom prst="rect">
+            <a:avLst/>
+          </a:prstGeom>
+          <a:solidFill>
+            <a:schemeClr val="accent4">
+              <a:lumMod val="75000"/>
+            </a:schemeClr>
+          </a:solidFill>
+          <a:ln w="12700" cap="flat" cmpd="sng">
+            <a:solidFill>
+              <a:schemeClr val="accent4">
+                <a:lumMod val="75000"/>
+              </a:schemeClr>
+            </a:solidFill>
+            <a:prstDash val="solid"/>
+            <a:miter lim="800000"/>
+            <a:headEnd type="none" w="sm" len="sm"/>
+            <a:tailEnd type="none" w="sm" len="sm"/>
+          </a:ln>
+        </p:spPr>
+        <p:txBody>
+          <a:bodyPr spcFirstLastPara="1" wrap="square" lIns="91425" tIns="45700" rIns="91425" bIns="45700" anchor="ctr" anchorCtr="0">
+            <a:noAutofit/>
+          </a:bodyPr>
+          <a:lstStyle/>
+          <a:p>
+            <a:pPr marL="0" marR="0" lvl="0" indent="0" algn="ctr" rtl="0">
+              <a:spcBef>
+                <a:spcPts val="0"/>
+              </a:spcBef>
+              <a:spcAft>
+                <a:spcPts val="0"/>
+              </a:spcAft>
+              <a:buNone/>
+            </a:pPr>
+            <a:r>
+              <a:rPr lang="en-US" sz="5200" b="1" dirty="0">
+                <a:solidFill>
+                  <a:schemeClr val="bg1"/>
+                </a:solidFill>
+                <a:latin typeface="Garamond" panose="02020404030301010803" pitchFamily="18" charset="0"/>
+                <a:ea typeface="Calibri"/>
+                <a:cs typeface="Calibri"/>
+                <a:sym typeface="Calibri"/>
+              </a:rPr>
+              <a:t>Methodology</a:t>
+            </a:r>
+            <a:endParaRPr sz="5200" dirty="0">
+              <a:solidFill>
+                <a:schemeClr val="bg1"/>
+              </a:solidFill>
+              <a:latin typeface="Garamond" panose="02020404030301010803" pitchFamily="18" charset="0"/>
+            </a:endParaRPr>
+          </a:p>
+        </p:txBody>
+      </p:sp>
+      <p:sp>
+        <p:nvSpPr>
+          <p:cNvPr id="115" name="TextBox 114">
+            <a:extLst>
+              <a:ext uri="{FF2B5EF4-FFF2-40B4-BE49-F238E27FC236}">
+                <a16:creationId xmlns:a16="http://schemas.microsoft.com/office/drawing/2014/main" id="{4EC2E6E8-4957-8420-B81F-D7BF0AF46FE0}"/>
+              </a:ext>
+            </a:extLst>
+          </p:cNvPr>
+          <p:cNvSpPr txBox="1"/>
+          <p:nvPr/>
+        </p:nvSpPr>
+        <p:spPr>
+          <a:xfrm>
+            <a:off x="35564594" y="31562667"/>
+            <a:ext cx="7445478" cy="589199"/>
+          </a:xfrm>
+          <a:prstGeom prst="rect">
+            <a:avLst/>
+          </a:prstGeom>
+          <a:noFill/>
+        </p:spPr>
+        <p:txBody>
+          <a:bodyPr wrap="square" rtlCol="0">
+            <a:spAutoFit/>
+          </a:bodyPr>
+          <a:lstStyle/>
+          <a:p>
+            <a:r>
+              <a:rPr lang="en-US" sz="3200" dirty="0">
+                <a:latin typeface="Garamond" panose="02020404030301010803" pitchFamily="18" charset="0"/>
+              </a:rPr>
+              <a:t>*Emerging Period condensed due to overlap</a:t>
+            </a:r>
+          </a:p>
+        </p:txBody>
+      </p:sp>
+      <p:sp>
+        <p:nvSpPr>
+          <p:cNvPr id="14" name="Google Shape;142;p2">
+            <a:extLst>
+              <a:ext uri="{FF2B5EF4-FFF2-40B4-BE49-F238E27FC236}">
+                <a16:creationId xmlns:a16="http://schemas.microsoft.com/office/drawing/2014/main" id="{970B82C9-E195-A875-1153-6235E90F47B3}"/>
+              </a:ext>
+            </a:extLst>
+          </p:cNvPr>
+          <p:cNvSpPr/>
+          <p:nvPr/>
+        </p:nvSpPr>
+        <p:spPr>
+          <a:xfrm>
+            <a:off x="32951363" y="12906151"/>
+            <a:ext cx="9989234" cy="914400"/>
+          </a:xfrm>
+          <a:prstGeom prst="rect">
+            <a:avLst/>
+          </a:prstGeom>
+          <a:noFill/>
+          <a:ln w="12700" cap="flat" cmpd="sng">
+            <a:solidFill>
+              <a:schemeClr val="accent4">
+                <a:lumMod val="75000"/>
+              </a:schemeClr>
+            </a:solidFill>
+            <a:prstDash val="solid"/>
+            <a:miter lim="800000"/>
+            <a:headEnd type="none" w="sm" len="sm"/>
+            <a:tailEnd type="none" w="sm" len="sm"/>
+          </a:ln>
+        </p:spPr>
+        <p:txBody>
+          <a:bodyPr spcFirstLastPara="1" wrap="square" lIns="91425" tIns="45700" rIns="91425" bIns="45700" anchor="ctr" anchorCtr="0">
+            <a:noAutofit/>
+          </a:bodyPr>
+          <a:lstStyle/>
+          <a:p>
+            <a:pPr marL="0" marR="0" lvl="0" indent="0" algn="ctr" rtl="0">
+              <a:spcBef>
+                <a:spcPts val="0"/>
+              </a:spcBef>
+              <a:spcAft>
+                <a:spcPts val="0"/>
+              </a:spcAft>
+              <a:buNone/>
+            </a:pPr>
+            <a:r>
+              <a:rPr lang="en-US" sz="4000" b="1" dirty="0">
+                <a:solidFill>
+                  <a:schemeClr val="tx1"/>
+                </a:solidFill>
+                <a:latin typeface="Garamond" panose="02020404030301010803" pitchFamily="18" charset="0"/>
+                <a:ea typeface="Calibri"/>
+                <a:cs typeface="Calibri"/>
+                <a:sym typeface="Calibri"/>
+              </a:rPr>
+              <a:t>Empowerment Periods</a:t>
+            </a:r>
+            <a:endParaRPr sz="4000" dirty="0">
+              <a:solidFill>
+                <a:schemeClr val="tx1"/>
+              </a:solidFill>
+              <a:latin typeface="Garamond" panose="02020404030301010803" pitchFamily="18" charset="0"/>
+            </a:endParaRPr>
+          </a:p>
+        </p:txBody>
+      </p:sp>
+      <p:grpSp>
+        <p:nvGrpSpPr>
+          <p:cNvPr id="16" name="Group 15">
+            <a:extLst>
+              <a:ext uri="{FF2B5EF4-FFF2-40B4-BE49-F238E27FC236}">
+                <a16:creationId xmlns:a16="http://schemas.microsoft.com/office/drawing/2014/main" id="{96C448D2-4C83-3016-5644-A9CF64F5B9EF}"/>
+              </a:ext>
+            </a:extLst>
+          </p:cNvPr>
+          <p:cNvGrpSpPr/>
+          <p:nvPr/>
+        </p:nvGrpSpPr>
+        <p:grpSpPr>
+          <a:xfrm>
+            <a:off x="32296917" y="17093644"/>
+            <a:ext cx="10655304" cy="7908262"/>
+            <a:chOff x="32296917" y="17093644"/>
+            <a:chExt cx="10655304" cy="7908262"/>
+          </a:xfrm>
+        </p:grpSpPr>
+        <p:sp>
+          <p:nvSpPr>
+            <p:cNvPr id="80" name="Google Shape;152;p2">
+              <a:extLst>
+                <a:ext uri="{FF2B5EF4-FFF2-40B4-BE49-F238E27FC236}">
+                  <a16:creationId xmlns:a16="http://schemas.microsoft.com/office/drawing/2014/main" id="{B6DC4604-8899-CCDF-17DA-FBF24E5A3C52}"/>
                 </a:ext>
               </a:extLst>
             </p:cNvPr>
@@ -14494,19 +15168,27 @@
           </p:nvSpPr>
           <p:spPr>
             <a:xfrm>
-              <a:off x="32951363" y="6941076"/>
-              <a:ext cx="9989234" cy="914400"/>
+              <a:off x="32296917" y="17093644"/>
+              <a:ext cx="10655304" cy="7908262"/>
             </a:xfrm>
             <a:prstGeom prst="rect">
               <a:avLst/>
             </a:prstGeom>
-            <a:noFill/>
+            <a:blipFill dpi="0" rotWithShape="1">
+              <a:blip r:embed="rId5">
+                <a:extLst>
+                  <a:ext uri="{28A0092B-C50C-407E-A947-70E740481C1C}">
+                    <a14:useLocalDpi xmlns:a14="http://schemas.microsoft.com/office/drawing/2010/main" val="0"/>
+                  </a:ext>
+                </a:extLst>
+              </a:blip>
+              <a:srcRect/>
+              <a:stretch>
+                <a:fillRect r="-12836"/>
+              </a:stretch>
+            </a:blipFill>
             <a:ln w="12700" cap="flat" cmpd="sng">
-              <a:solidFill>
-                <a:schemeClr val="accent4">
-                  <a:lumMod val="75000"/>
-                </a:schemeClr>
-              </a:solidFill>
+              <a:noFill/>
               <a:prstDash val="solid"/>
               <a:miter lim="800000"/>
               <a:headEnd type="none" w="sm" len="sm"/>
@@ -14528,19 +15210,7 @@
                 </a:spcAft>
                 <a:buNone/>
               </a:pPr>
-              <a:r>
-                <a:rPr lang="en-US" sz="4000" b="1" dirty="0">
-                  <a:solidFill>
-                    <a:schemeClr val="tx1"/>
-                  </a:solidFill>
-                  <a:latin typeface="Garamond" panose="02020404030301010803" pitchFamily="18" charset="0"/>
-                  <a:ea typeface="Calibri"/>
-                  <a:cs typeface="Calibri"/>
-                  <a:sym typeface="Calibri"/>
-                </a:rPr>
-                <a:t>Empowerment Categories</a:t>
-              </a:r>
-              <a:endParaRPr sz="4000" dirty="0">
+              <a:endParaRPr dirty="0">
                 <a:solidFill>
                   <a:schemeClr val="tx1"/>
                 </a:solidFill>
@@ -14551,10 +15221,10 @@
         </p:sp>
         <p:sp>
           <p:nvSpPr>
-            <p:cNvPr id="85" name="Google Shape;142;p2">
+            <p:cNvPr id="15" name="Google Shape;152;p2">
               <a:extLst>
                 <a:ext uri="{FF2B5EF4-FFF2-40B4-BE49-F238E27FC236}">
-                  <a16:creationId xmlns:a16="http://schemas.microsoft.com/office/drawing/2014/main" id="{36E7495F-44AD-D7B9-EDDA-21D1D7E5A2F4}"/>
+                  <a16:creationId xmlns:a16="http://schemas.microsoft.com/office/drawing/2014/main" id="{E610E6AA-84D1-1886-C0DE-9CC7BC95BDA6}"/>
                 </a:ext>
               </a:extLst>
             </p:cNvPr>
@@ -14563,19 +15233,27 @@
           </p:nvSpPr>
           <p:spPr>
             <a:xfrm>
-              <a:off x="32951363" y="25228531"/>
-              <a:ext cx="9985248" cy="914400"/>
+              <a:off x="33239869" y="17587222"/>
+              <a:ext cx="2220285" cy="2054863"/>
             </a:xfrm>
             <a:prstGeom prst="rect">
               <a:avLst/>
             </a:prstGeom>
-            <a:noFill/>
+            <a:blipFill dpi="0" rotWithShape="1">
+              <a:blip r:embed="rId5">
+                <a:extLst>
+                  <a:ext uri="{28A0092B-C50C-407E-A947-70E740481C1C}">
+                    <a14:useLocalDpi xmlns:a14="http://schemas.microsoft.com/office/drawing/2010/main" val="0"/>
+                  </a:ext>
+                </a:extLst>
+              </a:blip>
+              <a:srcRect/>
+              <a:stretch>
+                <a:fillRect l="-703666" t="-188917" b="-212598"/>
+              </a:stretch>
+            </a:blipFill>
             <a:ln w="12700" cap="flat" cmpd="sng">
-              <a:solidFill>
-                <a:schemeClr val="accent4">
-                  <a:lumMod val="75000"/>
-                </a:schemeClr>
-              </a:solidFill>
+              <a:noFill/>
               <a:prstDash val="solid"/>
               <a:miter lim="800000"/>
               <a:headEnd type="none" w="sm" len="sm"/>
@@ -14597,19 +15275,7 @@
                 </a:spcAft>
                 <a:buNone/>
               </a:pPr>
-              <a:r>
-                <a:rPr lang="en-US" sz="4000" b="1" dirty="0">
-                  <a:solidFill>
-                    <a:schemeClr val="tx1"/>
-                  </a:solidFill>
-                  <a:latin typeface="Garamond" panose="02020404030301010803" pitchFamily="18" charset="0"/>
-                  <a:ea typeface="Calibri"/>
-                  <a:cs typeface="Calibri"/>
-                  <a:sym typeface="Calibri"/>
-                </a:rPr>
-                <a:t>Empowerment Thresholds</a:t>
-              </a:r>
-              <a:endParaRPr sz="4000" dirty="0">
+              <a:endParaRPr dirty="0">
                 <a:solidFill>
                   <a:schemeClr val="tx1"/>
                 </a:solidFill>
@@ -14618,693 +15284,6 @@
             </a:p>
           </p:txBody>
         </p:sp>
-        <p:grpSp>
-          <p:nvGrpSpPr>
-            <p:cNvPr id="19" name="Group 18">
-              <a:extLst>
-                <a:ext uri="{FF2B5EF4-FFF2-40B4-BE49-F238E27FC236}">
-                  <a16:creationId xmlns:a16="http://schemas.microsoft.com/office/drawing/2014/main" id="{0332027C-81D7-FC52-EF11-24F047F5FFBD}"/>
-                </a:ext>
-              </a:extLst>
-            </p:cNvPr>
-            <p:cNvGrpSpPr/>
-            <p:nvPr/>
-          </p:nvGrpSpPr>
-          <p:grpSpPr>
-            <a:xfrm>
-              <a:off x="35235593" y="26276326"/>
-              <a:ext cx="7965330" cy="1090787"/>
-              <a:chOff x="34221242" y="25889759"/>
-              <a:chExt cx="7965330" cy="1090787"/>
-            </a:xfrm>
-          </p:grpSpPr>
-          <p:sp>
-            <p:nvSpPr>
-              <p:cNvPr id="86" name="TextBox 85">
-                <a:extLst>
-                  <a:ext uri="{FF2B5EF4-FFF2-40B4-BE49-F238E27FC236}">
-                    <a16:creationId xmlns:a16="http://schemas.microsoft.com/office/drawing/2014/main" id="{20D2CFFE-1EE6-921C-DBEC-8BE13599C808}"/>
-                  </a:ext>
-                </a:extLst>
-              </p:cNvPr>
-              <p:cNvSpPr txBox="1"/>
-              <p:nvPr/>
-            </p:nvSpPr>
-            <p:spPr>
-              <a:xfrm>
-                <a:off x="34221242" y="26395771"/>
-                <a:ext cx="976056" cy="584775"/>
-              </a:xfrm>
-              <a:prstGeom prst="rect">
-                <a:avLst/>
-              </a:prstGeom>
-              <a:noFill/>
-            </p:spPr>
-            <p:txBody>
-              <a:bodyPr wrap="square" rtlCol="0">
-                <a:spAutoFit/>
-              </a:bodyPr>
-              <a:lstStyle/>
-              <a:p>
-                <a:r>
-                  <a:rPr lang="en-US" sz="3200" dirty="0">
-                    <a:latin typeface="Garamond" panose="02020404030301010803" pitchFamily="18" charset="0"/>
-                  </a:rPr>
-                  <a:t>Start</a:t>
-                </a:r>
-              </a:p>
-            </p:txBody>
-          </p:sp>
-          <p:sp>
-            <p:nvSpPr>
-              <p:cNvPr id="87" name="TextBox 86">
-                <a:extLst>
-                  <a:ext uri="{FF2B5EF4-FFF2-40B4-BE49-F238E27FC236}">
-                    <a16:creationId xmlns:a16="http://schemas.microsoft.com/office/drawing/2014/main" id="{D18A2CB6-4F07-265E-3A16-DE83CC6B6603}"/>
-                  </a:ext>
-                </a:extLst>
-              </p:cNvPr>
-              <p:cNvSpPr txBox="1"/>
-              <p:nvPr/>
-            </p:nvSpPr>
-            <p:spPr>
-              <a:xfrm>
-                <a:off x="35647155" y="26395771"/>
-                <a:ext cx="1021230" cy="584775"/>
-              </a:xfrm>
-              <a:prstGeom prst="rect">
-                <a:avLst/>
-              </a:prstGeom>
-              <a:noFill/>
-            </p:spPr>
-            <p:txBody>
-              <a:bodyPr wrap="square" rtlCol="0">
-                <a:spAutoFit/>
-              </a:bodyPr>
-              <a:lstStyle/>
-              <a:p>
-                <a:r>
-                  <a:rPr lang="en-US" sz="3200" dirty="0">
-                    <a:latin typeface="Garamond" panose="02020404030301010803" pitchFamily="18" charset="0"/>
-                  </a:rPr>
-                  <a:t>End</a:t>
-                </a:r>
-              </a:p>
-            </p:txBody>
-          </p:sp>
-          <p:sp>
-            <p:nvSpPr>
-              <p:cNvPr id="91" name="TextBox 90">
-                <a:extLst>
-                  <a:ext uri="{FF2B5EF4-FFF2-40B4-BE49-F238E27FC236}">
-                    <a16:creationId xmlns:a16="http://schemas.microsoft.com/office/drawing/2014/main" id="{C14B7BD6-8999-9FA5-7711-86AFEE338EA0}"/>
-                  </a:ext>
-                </a:extLst>
-              </p:cNvPr>
-              <p:cNvSpPr txBox="1"/>
-              <p:nvPr/>
-            </p:nvSpPr>
-            <p:spPr>
-              <a:xfrm>
-                <a:off x="34764481" y="25889759"/>
-                <a:ext cx="1220093" cy="584775"/>
-              </a:xfrm>
-              <a:prstGeom prst="rect">
-                <a:avLst/>
-              </a:prstGeom>
-              <a:noFill/>
-            </p:spPr>
-            <p:txBody>
-              <a:bodyPr wrap="square" rtlCol="0">
-                <a:spAutoFit/>
-              </a:bodyPr>
-              <a:lstStyle/>
-              <a:p>
-                <a:pPr algn="ctr"/>
-                <a:r>
-                  <a:rPr lang="en-US" sz="3200" dirty="0">
-                    <a:latin typeface="Garamond" panose="02020404030301010803" pitchFamily="18" charset="0"/>
-                  </a:rPr>
-                  <a:t>90%</a:t>
-                </a:r>
-              </a:p>
-            </p:txBody>
-          </p:sp>
-          <p:sp>
-            <p:nvSpPr>
-              <p:cNvPr id="105" name="TextBox 104">
-                <a:extLst>
-                  <a:ext uri="{FF2B5EF4-FFF2-40B4-BE49-F238E27FC236}">
-                    <a16:creationId xmlns:a16="http://schemas.microsoft.com/office/drawing/2014/main" id="{EB69F818-FB47-8A46-33B7-B3355ADECF84}"/>
-                  </a:ext>
-                </a:extLst>
-              </p:cNvPr>
-              <p:cNvSpPr txBox="1"/>
-              <p:nvPr/>
-            </p:nvSpPr>
-            <p:spPr>
-              <a:xfrm>
-                <a:off x="36981548" y="26395771"/>
-                <a:ext cx="976056" cy="584775"/>
-              </a:xfrm>
-              <a:prstGeom prst="rect">
-                <a:avLst/>
-              </a:prstGeom>
-              <a:noFill/>
-            </p:spPr>
-            <p:txBody>
-              <a:bodyPr wrap="square" rtlCol="0">
-                <a:spAutoFit/>
-              </a:bodyPr>
-              <a:lstStyle/>
-              <a:p>
-                <a:r>
-                  <a:rPr lang="en-US" sz="3200" dirty="0">
-                    <a:latin typeface="Garamond" panose="02020404030301010803" pitchFamily="18" charset="0"/>
-                  </a:rPr>
-                  <a:t>Start</a:t>
-                </a:r>
-              </a:p>
-            </p:txBody>
-          </p:sp>
-          <p:sp>
-            <p:nvSpPr>
-              <p:cNvPr id="106" name="TextBox 105">
-                <a:extLst>
-                  <a:ext uri="{FF2B5EF4-FFF2-40B4-BE49-F238E27FC236}">
-                    <a16:creationId xmlns:a16="http://schemas.microsoft.com/office/drawing/2014/main" id="{44E5FE8A-F3BE-7E68-ACE3-340D1E977590}"/>
-                  </a:ext>
-                </a:extLst>
-              </p:cNvPr>
-              <p:cNvSpPr txBox="1"/>
-              <p:nvPr/>
-            </p:nvSpPr>
-            <p:spPr>
-              <a:xfrm>
-                <a:off x="38407461" y="26395771"/>
-                <a:ext cx="1021230" cy="584775"/>
-              </a:xfrm>
-              <a:prstGeom prst="rect">
-                <a:avLst/>
-              </a:prstGeom>
-              <a:noFill/>
-            </p:spPr>
-            <p:txBody>
-              <a:bodyPr wrap="square" rtlCol="0">
-                <a:spAutoFit/>
-              </a:bodyPr>
-              <a:lstStyle/>
-              <a:p>
-                <a:r>
-                  <a:rPr lang="en-US" sz="3200" dirty="0">
-                    <a:latin typeface="Garamond" panose="02020404030301010803" pitchFamily="18" charset="0"/>
-                  </a:rPr>
-                  <a:t>End</a:t>
-                </a:r>
-              </a:p>
-            </p:txBody>
-          </p:sp>
-          <p:sp>
-            <p:nvSpPr>
-              <p:cNvPr id="107" name="TextBox 106">
-                <a:extLst>
-                  <a:ext uri="{FF2B5EF4-FFF2-40B4-BE49-F238E27FC236}">
-                    <a16:creationId xmlns:a16="http://schemas.microsoft.com/office/drawing/2014/main" id="{1FFBCFF6-4DFB-0577-3341-E19E3999E11B}"/>
-                  </a:ext>
-                </a:extLst>
-              </p:cNvPr>
-              <p:cNvSpPr txBox="1"/>
-              <p:nvPr/>
-            </p:nvSpPr>
-            <p:spPr>
-              <a:xfrm>
-                <a:off x="37523574" y="25889759"/>
-                <a:ext cx="1220093" cy="584775"/>
-              </a:xfrm>
-              <a:prstGeom prst="rect">
-                <a:avLst/>
-              </a:prstGeom>
-              <a:noFill/>
-            </p:spPr>
-            <p:txBody>
-              <a:bodyPr wrap="square" rtlCol="0">
-                <a:spAutoFit/>
-              </a:bodyPr>
-              <a:lstStyle/>
-              <a:p>
-                <a:pPr algn="ctr"/>
-                <a:r>
-                  <a:rPr lang="en-US" sz="3200" dirty="0">
-                    <a:latin typeface="Garamond" panose="02020404030301010803" pitchFamily="18" charset="0"/>
-                  </a:rPr>
-                  <a:t>80%</a:t>
-                </a:r>
-              </a:p>
-            </p:txBody>
-          </p:sp>
-          <p:sp>
-            <p:nvSpPr>
-              <p:cNvPr id="111" name="TextBox 110">
-                <a:extLst>
-                  <a:ext uri="{FF2B5EF4-FFF2-40B4-BE49-F238E27FC236}">
-                    <a16:creationId xmlns:a16="http://schemas.microsoft.com/office/drawing/2014/main" id="{79A41287-7157-AB94-3BA2-E3049AB6BB78}"/>
-                  </a:ext>
-                </a:extLst>
-              </p:cNvPr>
-              <p:cNvSpPr txBox="1"/>
-              <p:nvPr/>
-            </p:nvSpPr>
-            <p:spPr>
-              <a:xfrm>
-                <a:off x="39739429" y="26395771"/>
-                <a:ext cx="976056" cy="584775"/>
-              </a:xfrm>
-              <a:prstGeom prst="rect">
-                <a:avLst/>
-              </a:prstGeom>
-              <a:noFill/>
-            </p:spPr>
-            <p:txBody>
-              <a:bodyPr wrap="square" rtlCol="0">
-                <a:spAutoFit/>
-              </a:bodyPr>
-              <a:lstStyle/>
-              <a:p>
-                <a:r>
-                  <a:rPr lang="en-US" sz="3200" dirty="0">
-                    <a:latin typeface="Garamond" panose="02020404030301010803" pitchFamily="18" charset="0"/>
-                  </a:rPr>
-                  <a:t>Start</a:t>
-                </a:r>
-              </a:p>
-            </p:txBody>
-          </p:sp>
-          <p:sp>
-            <p:nvSpPr>
-              <p:cNvPr id="112" name="TextBox 111">
-                <a:extLst>
-                  <a:ext uri="{FF2B5EF4-FFF2-40B4-BE49-F238E27FC236}">
-                    <a16:creationId xmlns:a16="http://schemas.microsoft.com/office/drawing/2014/main" id="{8C413919-B865-6147-7BA3-27C8EDD4DE2F}"/>
-                  </a:ext>
-                </a:extLst>
-              </p:cNvPr>
-              <p:cNvSpPr txBox="1"/>
-              <p:nvPr/>
-            </p:nvSpPr>
-            <p:spPr>
-              <a:xfrm>
-                <a:off x="41165342" y="26395771"/>
-                <a:ext cx="1021230" cy="584775"/>
-              </a:xfrm>
-              <a:prstGeom prst="rect">
-                <a:avLst/>
-              </a:prstGeom>
-              <a:noFill/>
-            </p:spPr>
-            <p:txBody>
-              <a:bodyPr wrap="square" rtlCol="0">
-                <a:spAutoFit/>
-              </a:bodyPr>
-              <a:lstStyle/>
-              <a:p>
-                <a:r>
-                  <a:rPr lang="en-US" sz="3200" dirty="0">
-                    <a:latin typeface="Garamond" panose="02020404030301010803" pitchFamily="18" charset="0"/>
-                  </a:rPr>
-                  <a:t>End</a:t>
-                </a:r>
-              </a:p>
-            </p:txBody>
-          </p:sp>
-          <p:sp>
-            <p:nvSpPr>
-              <p:cNvPr id="113" name="TextBox 112">
-                <a:extLst>
-                  <a:ext uri="{FF2B5EF4-FFF2-40B4-BE49-F238E27FC236}">
-                    <a16:creationId xmlns:a16="http://schemas.microsoft.com/office/drawing/2014/main" id="{2A4DADE0-229F-BCBF-6A69-3A73644455FF}"/>
-                  </a:ext>
-                </a:extLst>
-              </p:cNvPr>
-              <p:cNvSpPr txBox="1"/>
-              <p:nvPr/>
-            </p:nvSpPr>
-            <p:spPr>
-              <a:xfrm>
-                <a:off x="40282668" y="25889759"/>
-                <a:ext cx="1220093" cy="584775"/>
-              </a:xfrm>
-              <a:prstGeom prst="rect">
-                <a:avLst/>
-              </a:prstGeom>
-              <a:noFill/>
-            </p:spPr>
-            <p:txBody>
-              <a:bodyPr wrap="square" rtlCol="0">
-                <a:spAutoFit/>
-              </a:bodyPr>
-              <a:lstStyle/>
-              <a:p>
-                <a:pPr algn="ctr"/>
-                <a:r>
-                  <a:rPr lang="en-US" sz="3200" dirty="0">
-                    <a:latin typeface="Garamond" panose="02020404030301010803" pitchFamily="18" charset="0"/>
-                  </a:rPr>
-                  <a:t>75%</a:t>
-                </a:r>
-              </a:p>
-            </p:txBody>
-          </p:sp>
-        </p:grpSp>
-        <p:sp>
-          <p:nvSpPr>
-            <p:cNvPr id="114" name="Google Shape;135;p2">
-              <a:extLst>
-                <a:ext uri="{FF2B5EF4-FFF2-40B4-BE49-F238E27FC236}">
-                  <a16:creationId xmlns:a16="http://schemas.microsoft.com/office/drawing/2014/main" id="{2E07B908-F1CF-60F5-36F8-1BC0C60E2E77}"/>
-                </a:ext>
-              </a:extLst>
-            </p:cNvPr>
-            <p:cNvSpPr/>
-            <p:nvPr/>
-          </p:nvSpPr>
-          <p:spPr>
-            <a:xfrm>
-              <a:off x="32228123" y="5386361"/>
-              <a:ext cx="10972800" cy="914400"/>
-            </a:xfrm>
-            <a:prstGeom prst="rect">
-              <a:avLst/>
-            </a:prstGeom>
-            <a:solidFill>
-              <a:schemeClr val="accent4">
-                <a:lumMod val="75000"/>
-              </a:schemeClr>
-            </a:solidFill>
-            <a:ln w="12700" cap="flat" cmpd="sng">
-              <a:solidFill>
-                <a:schemeClr val="accent4">
-                  <a:lumMod val="75000"/>
-                </a:schemeClr>
-              </a:solidFill>
-              <a:prstDash val="solid"/>
-              <a:miter lim="800000"/>
-              <a:headEnd type="none" w="sm" len="sm"/>
-              <a:tailEnd type="none" w="sm" len="sm"/>
-            </a:ln>
-          </p:spPr>
-          <p:txBody>
-            <a:bodyPr spcFirstLastPara="1" wrap="square" lIns="91425" tIns="45700" rIns="91425" bIns="45700" anchor="ctr" anchorCtr="0">
-              <a:noAutofit/>
-            </a:bodyPr>
-            <a:lstStyle/>
-            <a:p>
-              <a:pPr marL="0" marR="0" lvl="0" indent="0" algn="ctr" rtl="0">
-                <a:spcBef>
-                  <a:spcPts val="0"/>
-                </a:spcBef>
-                <a:spcAft>
-                  <a:spcPts val="0"/>
-                </a:spcAft>
-                <a:buNone/>
-              </a:pPr>
-              <a:r>
-                <a:rPr lang="en-US" sz="5200" b="1" dirty="0">
-                  <a:solidFill>
-                    <a:schemeClr val="bg1"/>
-                  </a:solidFill>
-                  <a:latin typeface="Garamond" panose="02020404030301010803" pitchFamily="18" charset="0"/>
-                  <a:ea typeface="Calibri"/>
-                  <a:cs typeface="Calibri"/>
-                  <a:sym typeface="Calibri"/>
-                </a:rPr>
-                <a:t>Methodology</a:t>
-              </a:r>
-              <a:endParaRPr sz="5200" dirty="0">
-                <a:solidFill>
-                  <a:schemeClr val="bg1"/>
-                </a:solidFill>
-                <a:latin typeface="Garamond" panose="02020404030301010803" pitchFamily="18" charset="0"/>
-              </a:endParaRPr>
-            </a:p>
-          </p:txBody>
-        </p:sp>
-        <p:sp>
-          <p:nvSpPr>
-            <p:cNvPr id="115" name="TextBox 114">
-              <a:extLst>
-                <a:ext uri="{FF2B5EF4-FFF2-40B4-BE49-F238E27FC236}">
-                  <a16:creationId xmlns:a16="http://schemas.microsoft.com/office/drawing/2014/main" id="{4EC2E6E8-4957-8420-B81F-D7BF0AF46FE0}"/>
-                </a:ext>
-              </a:extLst>
-            </p:cNvPr>
-            <p:cNvSpPr txBox="1"/>
-            <p:nvPr/>
-          </p:nvSpPr>
-          <p:spPr>
-            <a:xfrm>
-              <a:off x="35564594" y="31562667"/>
-              <a:ext cx="7445478" cy="589199"/>
-            </a:xfrm>
-            <a:prstGeom prst="rect">
-              <a:avLst/>
-            </a:prstGeom>
-            <a:noFill/>
-          </p:spPr>
-          <p:txBody>
-            <a:bodyPr wrap="square" rtlCol="0">
-              <a:spAutoFit/>
-            </a:bodyPr>
-            <a:lstStyle/>
-            <a:p>
-              <a:r>
-                <a:rPr lang="en-US" sz="3200" dirty="0">
-                  <a:latin typeface="Garamond" panose="02020404030301010803" pitchFamily="18" charset="0"/>
-                </a:rPr>
-                <a:t>*Emerging Period condensed due to overlap</a:t>
-              </a:r>
-            </a:p>
-          </p:txBody>
-        </p:sp>
-        <p:sp>
-          <p:nvSpPr>
-            <p:cNvPr id="14" name="Google Shape;142;p2">
-              <a:extLst>
-                <a:ext uri="{FF2B5EF4-FFF2-40B4-BE49-F238E27FC236}">
-                  <a16:creationId xmlns:a16="http://schemas.microsoft.com/office/drawing/2014/main" id="{970B82C9-E195-A875-1153-6235E90F47B3}"/>
-                </a:ext>
-              </a:extLst>
-            </p:cNvPr>
-            <p:cNvSpPr/>
-            <p:nvPr/>
-          </p:nvSpPr>
-          <p:spPr>
-            <a:xfrm>
-              <a:off x="32951363" y="12906151"/>
-              <a:ext cx="9989234" cy="914400"/>
-            </a:xfrm>
-            <a:prstGeom prst="rect">
-              <a:avLst/>
-            </a:prstGeom>
-            <a:noFill/>
-            <a:ln w="12700" cap="flat" cmpd="sng">
-              <a:solidFill>
-                <a:schemeClr val="accent4">
-                  <a:lumMod val="75000"/>
-                </a:schemeClr>
-              </a:solidFill>
-              <a:prstDash val="solid"/>
-              <a:miter lim="800000"/>
-              <a:headEnd type="none" w="sm" len="sm"/>
-              <a:tailEnd type="none" w="sm" len="sm"/>
-            </a:ln>
-          </p:spPr>
-          <p:txBody>
-            <a:bodyPr spcFirstLastPara="1" wrap="square" lIns="91425" tIns="45700" rIns="91425" bIns="45700" anchor="ctr" anchorCtr="0">
-              <a:noAutofit/>
-            </a:bodyPr>
-            <a:lstStyle/>
-            <a:p>
-              <a:pPr marL="0" marR="0" lvl="0" indent="0" algn="ctr" rtl="0">
-                <a:spcBef>
-                  <a:spcPts val="0"/>
-                </a:spcBef>
-                <a:spcAft>
-                  <a:spcPts val="0"/>
-                </a:spcAft>
-                <a:buNone/>
-              </a:pPr>
-              <a:r>
-                <a:rPr lang="en-US" sz="4000" b="1" dirty="0">
-                  <a:solidFill>
-                    <a:schemeClr val="tx1"/>
-                  </a:solidFill>
-                  <a:latin typeface="Garamond" panose="02020404030301010803" pitchFamily="18" charset="0"/>
-                  <a:ea typeface="Calibri"/>
-                  <a:cs typeface="Calibri"/>
-                  <a:sym typeface="Calibri"/>
-                </a:rPr>
-                <a:t>Empowerment Periods</a:t>
-              </a:r>
-              <a:endParaRPr sz="4000" dirty="0">
-                <a:solidFill>
-                  <a:schemeClr val="tx1"/>
-                </a:solidFill>
-                <a:latin typeface="Garamond" panose="02020404030301010803" pitchFamily="18" charset="0"/>
-              </a:endParaRPr>
-            </a:p>
-          </p:txBody>
-        </p:sp>
-        <p:grpSp>
-          <p:nvGrpSpPr>
-            <p:cNvPr id="16" name="Group 15">
-              <a:extLst>
-                <a:ext uri="{FF2B5EF4-FFF2-40B4-BE49-F238E27FC236}">
-                  <a16:creationId xmlns:a16="http://schemas.microsoft.com/office/drawing/2014/main" id="{96C448D2-4C83-3016-5644-A9CF64F5B9EF}"/>
-                </a:ext>
-              </a:extLst>
-            </p:cNvPr>
-            <p:cNvGrpSpPr/>
-            <p:nvPr/>
-          </p:nvGrpSpPr>
-          <p:grpSpPr>
-            <a:xfrm>
-              <a:off x="32296917" y="17093644"/>
-              <a:ext cx="10655304" cy="7908262"/>
-              <a:chOff x="32296917" y="17093644"/>
-              <a:chExt cx="10655304" cy="7908262"/>
-            </a:xfrm>
-          </p:grpSpPr>
-          <p:sp>
-            <p:nvSpPr>
-              <p:cNvPr id="80" name="Google Shape;152;p2">
-                <a:extLst>
-                  <a:ext uri="{FF2B5EF4-FFF2-40B4-BE49-F238E27FC236}">
-                    <a16:creationId xmlns:a16="http://schemas.microsoft.com/office/drawing/2014/main" id="{B6DC4604-8899-CCDF-17DA-FBF24E5A3C52}"/>
-                  </a:ext>
-                </a:extLst>
-              </p:cNvPr>
-              <p:cNvSpPr/>
-              <p:nvPr/>
-            </p:nvSpPr>
-            <p:spPr>
-              <a:xfrm>
-                <a:off x="32296917" y="17093644"/>
-                <a:ext cx="10655304" cy="7908262"/>
-              </a:xfrm>
-              <a:prstGeom prst="rect">
-                <a:avLst/>
-              </a:prstGeom>
-              <a:blipFill dpi="0" rotWithShape="1">
-                <a:blip r:embed="rId5">
-                  <a:extLst>
-                    <a:ext uri="{28A0092B-C50C-407E-A947-70E740481C1C}">
-                      <a14:useLocalDpi xmlns:a14="http://schemas.microsoft.com/office/drawing/2010/main" val="0"/>
-                    </a:ext>
-                  </a:extLst>
-                </a:blip>
-                <a:srcRect/>
-                <a:stretch>
-                  <a:fillRect r="-12836"/>
-                </a:stretch>
-              </a:blipFill>
-              <a:ln w="12700" cap="flat" cmpd="sng">
-                <a:noFill/>
-                <a:prstDash val="solid"/>
-                <a:miter lim="800000"/>
-                <a:headEnd type="none" w="sm" len="sm"/>
-                <a:tailEnd type="none" w="sm" len="sm"/>
-              </a:ln>
-            </p:spPr>
-            <p:txBody>
-              <a:bodyPr spcFirstLastPara="1" wrap="square" lIns="91425" tIns="45700" rIns="91425" bIns="45700" anchor="ctr" anchorCtr="0">
-                <a:noAutofit/>
-              </a:bodyPr>
-              <a:lstStyle/>
-              <a:p>
-                <a:pPr marL="0" marR="0" lvl="0" indent="0" algn="ctr" rtl="0">
-                  <a:spcBef>
-                    <a:spcPts val="0"/>
-                  </a:spcBef>
-                  <a:spcAft>
-                    <a:spcPts val="0"/>
-                  </a:spcAft>
-                  <a:buNone/>
-                </a:pPr>
-                <a:endParaRPr dirty="0">
-                  <a:solidFill>
-                    <a:schemeClr val="tx1"/>
-                  </a:solidFill>
-                  <a:latin typeface="Garamond" panose="02020404030301010803" pitchFamily="18" charset="0"/>
-                </a:endParaRPr>
-              </a:p>
-            </p:txBody>
-          </p:sp>
-          <p:sp>
-            <p:nvSpPr>
-              <p:cNvPr id="15" name="Google Shape;152;p2">
-                <a:extLst>
-                  <a:ext uri="{FF2B5EF4-FFF2-40B4-BE49-F238E27FC236}">
-                    <a16:creationId xmlns:a16="http://schemas.microsoft.com/office/drawing/2014/main" id="{E610E6AA-84D1-1886-C0DE-9CC7BC95BDA6}"/>
-                  </a:ext>
-                </a:extLst>
-              </p:cNvPr>
-              <p:cNvSpPr/>
-              <p:nvPr/>
-            </p:nvSpPr>
-            <p:spPr>
-              <a:xfrm>
-                <a:off x="33239869" y="17587222"/>
-                <a:ext cx="2220285" cy="2054863"/>
-              </a:xfrm>
-              <a:prstGeom prst="rect">
-                <a:avLst/>
-              </a:prstGeom>
-              <a:blipFill dpi="0" rotWithShape="1">
-                <a:blip r:embed="rId5">
-                  <a:extLst>
-                    <a:ext uri="{28A0092B-C50C-407E-A947-70E740481C1C}">
-                      <a14:useLocalDpi xmlns:a14="http://schemas.microsoft.com/office/drawing/2010/main" val="0"/>
-                    </a:ext>
-                  </a:extLst>
-                </a:blip>
-                <a:srcRect/>
-                <a:stretch>
-                  <a:fillRect l="-703666" t="-188917" b="-212598"/>
-                </a:stretch>
-              </a:blipFill>
-              <a:ln w="12700" cap="flat" cmpd="sng">
-                <a:noFill/>
-                <a:prstDash val="solid"/>
-                <a:miter lim="800000"/>
-                <a:headEnd type="none" w="sm" len="sm"/>
-                <a:tailEnd type="none" w="sm" len="sm"/>
-              </a:ln>
-            </p:spPr>
-            <p:txBody>
-              <a:bodyPr spcFirstLastPara="1" wrap="square" lIns="91425" tIns="45700" rIns="91425" bIns="45700" anchor="ctr" anchorCtr="0">
-                <a:noAutofit/>
-              </a:bodyPr>
-              <a:lstStyle/>
-              <a:p>
-                <a:pPr marL="0" marR="0" lvl="0" indent="0" algn="ctr" rtl="0">
-                  <a:spcBef>
-                    <a:spcPts val="0"/>
-                  </a:spcBef>
-                  <a:spcAft>
-                    <a:spcPts val="0"/>
-                  </a:spcAft>
-                  <a:buNone/>
-                </a:pPr>
-                <a:endParaRPr dirty="0">
-                  <a:solidFill>
-                    <a:schemeClr val="tx1"/>
-                  </a:solidFill>
-                  <a:latin typeface="Garamond" panose="02020404030301010803" pitchFamily="18" charset="0"/>
-                </a:endParaRPr>
-              </a:p>
-            </p:txBody>
-          </p:sp>
-        </p:grpSp>
       </p:grpSp>
       <p:grpSp>
         <p:nvGrpSpPr>

--- a/Capstone/poster/print_poster.pptx
+++ b/Capstone/poster/print_poster.pptx
@@ -282,7 +282,7 @@
       </p15:sldGuideLst>
     </p:ext>
     <p:ext uri="GoogleSlidesCustomDataVersion2">
-      <go:slidesCustomData xmlns="" xmlns:mc="http://schemas.openxmlformats.org/markup-compatibility/2006" xmlns:mv="urn:schemas-microsoft-com:mac:vml" xmlns:c="http://schemas.openxmlformats.org/drawingml/2006/chart" xmlns:dgm="http://schemas.openxmlformats.org/drawingml/2006/diagram" xmlns:o="urn:schemas-microsoft-com:office:office" xmlns:v="urn:schemas-microsoft-com:vml" xmlns:pvml="urn:schemas-microsoft-com:office:powerpoint" xmlns:com="http://schemas.openxmlformats.org/drawingml/2006/compatibility" xmlns:p14="http://schemas.microsoft.com/office/powerpoint/2010/main" xmlns:p15="http://schemas.microsoft.com/office/powerpoint/2012/main" xmlns:ahyp="http://schemas.microsoft.com/office/drawing/2018/hyperlinkcolor" xmlns:go="http://customooxmlschemas.google.com/" r:id="rId8" roundtripDataSignature="AMtx7mh4t8ef80AKPBwkoeIFzBJSZZTu8A=="/>
+      <go:slidesCustomData xmlns:go="http://customooxmlschemas.google.com/" xmlns:ahyp="http://schemas.microsoft.com/office/drawing/2018/hyperlinkcolor" xmlns:p15="http://schemas.microsoft.com/office/powerpoint/2012/main" xmlns:p14="http://schemas.microsoft.com/office/powerpoint/2010/main" xmlns:com="http://schemas.openxmlformats.org/drawingml/2006/compatibility" xmlns:pvml="urn:schemas-microsoft-com:office:powerpoint" xmlns:v="urn:schemas-microsoft-com:vml" xmlns:o="urn:schemas-microsoft-com:office:office" xmlns:dgm="http://schemas.openxmlformats.org/drawingml/2006/diagram" xmlns:c="http://schemas.openxmlformats.org/drawingml/2006/chart" xmlns:mv="urn:schemas-microsoft-com:mac:vml" xmlns:mc="http://schemas.openxmlformats.org/markup-compatibility/2006" xmlns="" r:id="rId8" roundtripDataSignature="AMtx7mh4t8ef80AKPBwkoeIFzBJSZZTu8A=="/>
     </p:ext>
   </p:extLst>
 </p:presentation>
@@ -11666,7 +11666,7 @@
           <p:nvPr>
             <p:extLst>
               <p:ext uri="{D42A27DB-BD31-4B8C-83A1-F6EECF244321}">
-                <p14:modId xmlns:p14="http://schemas.microsoft.com/office/powerpoint/2010/main" val="3673751035"/>
+                <p14:modId xmlns:p14="http://schemas.microsoft.com/office/powerpoint/2010/main" val="3869254981"/>
               </p:ext>
             </p:extLst>
           </p:nvPr>
@@ -12080,7 +12080,7 @@
                         <a:rPr lang="en-US" sz="3800" dirty="0">
                           <a:latin typeface="Garamond" panose="02020404030301010803" pitchFamily="18" charset="0"/>
                         </a:rPr>
-                        <a:t>1867</a:t>
+                        <a:t>1967</a:t>
                       </a:r>
                     </a:p>
                   </a:txBody>
